--- a/Git_문제점_정리.pptx
+++ b/Git_문제점_정리.pptx
@@ -3027,19 +3027,15 @@
             </a:pPr>
             <a:r>
               <a:rPr lang="en-US" altLang="ko-KR" dirty="0" smtClean="0"/>
-              <a:t>GUI – </a:t>
-            </a:r>
-            <a:r>
-              <a:rPr lang="en-US" altLang="ko-KR" dirty="0" err="1" smtClean="0"/>
-              <a:t>SourceTree</a:t>
-            </a:r>
-            <a:r>
-              <a:rPr lang="en-US" altLang="ko-KR" dirty="0" smtClean="0"/>
-              <a:t> </a:t>
+              <a:t>Push </a:t>
+            </a:r>
+            <a:r>
+              <a:rPr lang="ko-KR" altLang="en-US" dirty="0" err="1" smtClean="0"/>
+              <a:t>시도시</a:t>
             </a:r>
             <a:r>
               <a:rPr lang="ko-KR" altLang="en-US" dirty="0" smtClean="0"/>
-              <a:t>토큰 인증 오류</a:t>
+              <a:t> 토큰 인증 오류 발생하는 경우</a:t>
             </a:r>
             <a:endParaRPr lang="ko-KR" altLang="en-US" dirty="0"/>
           </a:p>
@@ -3099,26 +3095,49 @@
           <a:p>
             <a:pPr marL="457200" indent="-457200"/>
             <a:r>
+              <a:rPr lang="en-US" altLang="ko-KR" sz="3600" dirty="0" smtClean="0"/>
+              <a:t>1.</a:t>
+            </a:r>
+            <a:r>
               <a:rPr lang="en-US" altLang="ko-KR" sz="4000" dirty="0" smtClean="0"/>
-              <a:t>1. GUI </a:t>
-            </a:r>
-            <a:r>
-              <a:rPr lang="en-US" altLang="ko-KR" sz="4000" dirty="0"/>
-              <a:t>– </a:t>
-            </a:r>
-            <a:r>
-              <a:rPr lang="en-US" altLang="ko-KR" sz="4000" dirty="0" err="1"/>
-              <a:t>SourceTree</a:t>
-            </a:r>
-            <a:r>
-              <a:rPr lang="en-US" altLang="ko-KR" sz="4000" dirty="0"/>
               <a:t> </a:t>
             </a:r>
             <a:r>
-              <a:rPr lang="ko-KR" altLang="en-US" sz="4000" dirty="0"/>
-              <a:t>토큰 인증 오류</a:t>
-            </a:r>
-            <a:endParaRPr lang="ko-KR" altLang="en-US" sz="4000" dirty="0"/>
+              <a:rPr lang="en-US" altLang="ko-KR" sz="3600" dirty="0"/>
+              <a:t>Push </a:t>
+            </a:r>
+            <a:r>
+              <a:rPr lang="ko-KR" altLang="en-US" sz="3600" dirty="0" err="1"/>
+              <a:t>시도시</a:t>
+            </a:r>
+            <a:r>
+              <a:rPr lang="ko-KR" altLang="en-US" sz="3600" dirty="0"/>
+              <a:t> 토큰 인증 오류 발생하는 </a:t>
+            </a:r>
+            <a:r>
+              <a:rPr lang="ko-KR" altLang="en-US" sz="3600" dirty="0" smtClean="0"/>
+              <a:t>경우</a:t>
+            </a:r>
+            <a:r>
+              <a:rPr lang="en-US" altLang="ko-KR" sz="3600" dirty="0" smtClean="0"/>
+              <a:t/>
+            </a:r>
+            <a:br>
+              <a:rPr lang="en-US" altLang="ko-KR" sz="3600" dirty="0" smtClean="0"/>
+            </a:br>
+            <a:r>
+              <a:rPr lang="en-US" altLang="ko-KR" sz="3600" dirty="0" smtClean="0"/>
+              <a:t>(GUI - </a:t>
+            </a:r>
+            <a:r>
+              <a:rPr lang="en-US" altLang="ko-KR" sz="3600" dirty="0" err="1" smtClean="0"/>
+              <a:t>Sourcetree</a:t>
+            </a:r>
+            <a:r>
+              <a:rPr lang="en-US" altLang="ko-KR" sz="3600" dirty="0" smtClean="0"/>
+              <a:t>)</a:t>
+            </a:r>
+            <a:endParaRPr lang="ko-KR" altLang="en-US" sz="3600" dirty="0"/>
           </a:p>
         </p:txBody>
       </p:sp>
@@ -3134,8 +3153,8 @@
         </p:nvSpPr>
         <p:spPr>
           <a:xfrm>
-            <a:off x="0" y="1747471"/>
-            <a:ext cx="10515600" cy="4351338"/>
+            <a:off x="0" y="2508737"/>
+            <a:ext cx="10515600" cy="3590071"/>
           </a:xfrm>
         </p:spPr>
         <p:txBody>
@@ -3144,13 +3163,111 @@
           </a:bodyPr>
           <a:lstStyle/>
           <a:p>
-            <a:endParaRPr lang="ko-KR" altLang="en-US" sz="2000" dirty="0"/>
+            <a:r>
+              <a:rPr lang="en-US" altLang="ko-KR" sz="2000" dirty="0" smtClean="0"/>
+              <a:t>2021</a:t>
+            </a:r>
+            <a:r>
+              <a:rPr lang="ko-KR" altLang="en-US" sz="2000" dirty="0" smtClean="0"/>
+              <a:t>년 </a:t>
+            </a:r>
+            <a:r>
+              <a:rPr lang="en-US" altLang="ko-KR" sz="2000" dirty="0" smtClean="0"/>
+              <a:t>8</a:t>
+            </a:r>
+            <a:r>
+              <a:rPr lang="ko-KR" altLang="en-US" sz="2000" dirty="0" smtClean="0"/>
+              <a:t>월 </a:t>
+            </a:r>
+            <a:r>
+              <a:rPr lang="en-US" altLang="ko-KR" sz="2000" dirty="0" smtClean="0"/>
+              <a:t>13</a:t>
+            </a:r>
+            <a:r>
+              <a:rPr lang="ko-KR" altLang="en-US" sz="2000" dirty="0" smtClean="0"/>
+              <a:t>일 이후</a:t>
+            </a:r>
+            <a:r>
+              <a:rPr lang="en-US" altLang="ko-KR" sz="2000" dirty="0" smtClean="0"/>
+              <a:t>, </a:t>
+            </a:r>
+            <a:r>
+              <a:rPr lang="ko-KR" altLang="en-US" sz="2000" dirty="0" smtClean="0"/>
+              <a:t>기존에 </a:t>
+            </a:r>
+            <a:r>
+              <a:rPr lang="en-US" altLang="ko-KR" sz="2000" dirty="0" smtClean="0"/>
+              <a:t>ID</a:t>
+            </a:r>
+            <a:r>
+              <a:rPr lang="ko-KR" altLang="en-US" sz="2000" dirty="0" smtClean="0"/>
+              <a:t>와 </a:t>
+            </a:r>
+            <a:r>
+              <a:rPr lang="en-US" altLang="ko-KR" sz="2000" dirty="0" smtClean="0"/>
+              <a:t>Password</a:t>
+            </a:r>
+            <a:r>
+              <a:rPr lang="ko-KR" altLang="en-US" sz="2000" dirty="0" smtClean="0"/>
+              <a:t>를 사용하던 방식에서</a:t>
+            </a:r>
+            <a:r>
+              <a:rPr lang="en-US" altLang="ko-KR" sz="2000" dirty="0"/>
+              <a:t/>
+            </a:r>
+            <a:br>
+              <a:rPr lang="en-US" altLang="ko-KR" sz="2000" dirty="0"/>
+            </a:br>
+            <a:r>
+              <a:rPr lang="ko-KR" altLang="en-US" sz="2000" dirty="0" smtClean="0"/>
+              <a:t>토큰을 사용하는 방식으로 로그인 방식이 변화하여 발생하는</a:t>
+            </a:r>
+            <a:r>
+              <a:rPr lang="en-US" altLang="ko-KR" sz="2000" dirty="0" smtClean="0"/>
+              <a:t> </a:t>
+            </a:r>
+            <a:r>
+              <a:rPr lang="ko-KR" altLang="en-US" sz="2000" dirty="0" smtClean="0"/>
+              <a:t>오류이다</a:t>
+            </a:r>
+            <a:r>
+              <a:rPr lang="en-US" altLang="ko-KR" sz="2000" dirty="0" smtClean="0"/>
+              <a:t>.</a:t>
+            </a:r>
+          </a:p>
+          <a:p>
+            <a:endParaRPr lang="en-US" altLang="ko-KR" sz="2000" dirty="0"/>
+          </a:p>
+          <a:p>
+            <a:r>
+              <a:rPr lang="en-US" altLang="ko-KR" sz="2000" dirty="0" smtClean="0"/>
+              <a:t>GUI – </a:t>
+            </a:r>
+            <a:r>
+              <a:rPr lang="en-US" altLang="ko-KR" sz="2000" dirty="0" err="1" smtClean="0"/>
+              <a:t>Sourcetree</a:t>
+            </a:r>
+            <a:r>
+              <a:rPr lang="en-US" altLang="ko-KR" sz="2000" dirty="0" smtClean="0"/>
+              <a:t> </a:t>
+            </a:r>
+            <a:r>
+              <a:rPr lang="ko-KR" altLang="en-US" sz="2000" dirty="0" smtClean="0"/>
+              <a:t>기준 해결 방법</a:t>
+            </a:r>
+            <a:endParaRPr lang="en-US" altLang="ko-KR" sz="2000" dirty="0" smtClean="0"/>
+          </a:p>
+          <a:p>
+            <a:endParaRPr lang="en-US" altLang="ko-KR" sz="2000" dirty="0" smtClean="0"/>
+          </a:p>
+          <a:p>
+            <a:endParaRPr lang="en-US" altLang="ko-KR" sz="2000" dirty="0" smtClean="0"/>
           </a:p>
         </p:txBody>
       </p:sp>
       <p:pic>
         <p:nvPicPr>
-          <p:cNvPr id="5" name="그림 4"/>
+          <p:cNvPr id="7" name="그림 6"/>
           <p:cNvPicPr>
             <a:picLocks noChangeAspect="1"/>
           </p:cNvPicPr>
@@ -3164,7 +3281,7 @@
         </p:blipFill>
         <p:spPr>
           <a:xfrm>
-            <a:off x="4730017" y="1747471"/>
+            <a:off x="72048" y="1128346"/>
             <a:ext cx="7296150" cy="1238250"/>
           </a:xfrm>
           <a:prstGeom prst="rect">

--- a/Git_문제점_정리.pptx
+++ b/Git_문제점_정리.pptx
@@ -7,6 +7,7 @@
   <p:sldIdLst>
     <p:sldId id="256" r:id="rId2"/>
     <p:sldId id="257" r:id="rId3"/>
+    <p:sldId id="258" r:id="rId4"/>
   </p:sldIdLst>
   <p:sldSz cx="12192000" cy="6858000"/>
   <p:notesSz cx="6858000" cy="9144000"/>
@@ -3235,34 +3236,6 @@
               <a:t>.</a:t>
             </a:r>
           </a:p>
-          <a:p>
-            <a:endParaRPr lang="en-US" altLang="ko-KR" sz="2000" dirty="0"/>
-          </a:p>
-          <a:p>
-            <a:r>
-              <a:rPr lang="en-US" altLang="ko-KR" sz="2000" dirty="0" smtClean="0"/>
-              <a:t>GUI – </a:t>
-            </a:r>
-            <a:r>
-              <a:rPr lang="en-US" altLang="ko-KR" sz="2000" dirty="0" err="1" smtClean="0"/>
-              <a:t>Sourcetree</a:t>
-            </a:r>
-            <a:r>
-              <a:rPr lang="en-US" altLang="ko-KR" sz="2000" dirty="0" smtClean="0"/>
-              <a:t> </a:t>
-            </a:r>
-            <a:r>
-              <a:rPr lang="ko-KR" altLang="en-US" sz="2000" dirty="0" smtClean="0"/>
-              <a:t>기준 해결 방법</a:t>
-            </a:r>
-            <a:endParaRPr lang="en-US" altLang="ko-KR" sz="2000" dirty="0" smtClean="0"/>
-          </a:p>
-          <a:p>
-            <a:endParaRPr lang="en-US" altLang="ko-KR" sz="2000" dirty="0" smtClean="0"/>
-          </a:p>
-          <a:p>
-            <a:endParaRPr lang="en-US" altLang="ko-KR" sz="2000" dirty="0" smtClean="0"/>
-          </a:p>
         </p:txBody>
       </p:sp>
       <p:pic>
@@ -3299,6 +3272,321 @@
   <p:clrMapOvr>
     <a:masterClrMapping/>
   </p:clrMapOvr>
+</p:sld>
+</file>
+
+<file path=ppt/slides/slide3.xml><?xml version="1.0" encoding="utf-8"?>
+<p:sld xmlns:a="http://schemas.openxmlformats.org/drawingml/2006/main" xmlns:r="http://schemas.openxmlformats.org/officeDocument/2006/relationships" xmlns:p="http://schemas.openxmlformats.org/presentationml/2006/main">
+  <p:cSld>
+    <p:spTree>
+      <p:nvGrpSpPr>
+        <p:cNvPr id="1" name=""/>
+        <p:cNvGrpSpPr/>
+        <p:nvPr/>
+      </p:nvGrpSpPr>
+      <p:grpSpPr>
+        <a:xfrm>
+          <a:off x="0" y="0"/>
+          <a:ext cx="0" cy="0"/>
+          <a:chOff x="0" y="0"/>
+          <a:chExt cx="0" cy="0"/>
+        </a:xfrm>
+      </p:grpSpPr>
+      <p:sp>
+        <p:nvSpPr>
+          <p:cNvPr id="6" name="제목 1"/>
+          <p:cNvSpPr>
+            <a:spLocks noGrp="1"/>
+          </p:cNvSpPr>
+          <p:nvPr>
+            <p:ph type="title"/>
+          </p:nvPr>
+        </p:nvSpPr>
+        <p:spPr>
+          <a:xfrm>
+            <a:off x="0" y="0"/>
+            <a:ext cx="10515600" cy="1325563"/>
+          </a:xfrm>
+        </p:spPr>
+        <p:txBody>
+          <a:bodyPr>
+            <a:normAutofit/>
+          </a:bodyPr>
+          <a:lstStyle/>
+          <a:p>
+            <a:pPr marL="457200" indent="-457200"/>
+            <a:r>
+              <a:rPr lang="ko-KR" altLang="en-US" sz="3600" dirty="0" smtClean="0"/>
+              <a:t>해결 방법 </a:t>
+            </a:r>
+            <a:r>
+              <a:rPr lang="en-US" altLang="ko-KR" sz="3600" dirty="0" smtClean="0"/>
+              <a:t>(GUI – </a:t>
+            </a:r>
+            <a:r>
+              <a:rPr lang="en-US" altLang="ko-KR" sz="3600" dirty="0" err="1" smtClean="0"/>
+              <a:t>Sourcetree</a:t>
+            </a:r>
+            <a:r>
+              <a:rPr lang="en-US" altLang="ko-KR" sz="3600" dirty="0" smtClean="0"/>
+              <a:t> </a:t>
+            </a:r>
+            <a:r>
+              <a:rPr lang="ko-KR" altLang="en-US" sz="3600" dirty="0" smtClean="0"/>
+              <a:t>기준</a:t>
+            </a:r>
+            <a:r>
+              <a:rPr lang="en-US" altLang="ko-KR" sz="3600" dirty="0" smtClean="0"/>
+              <a:t>)</a:t>
+            </a:r>
+            <a:endParaRPr lang="ko-KR" altLang="en-US" sz="3600" dirty="0"/>
+          </a:p>
+        </p:txBody>
+      </p:sp>
+      <p:sp>
+        <p:nvSpPr>
+          <p:cNvPr id="7" name="내용 개체 틀 2"/>
+          <p:cNvSpPr>
+            <a:spLocks noGrp="1"/>
+          </p:cNvSpPr>
+          <p:nvPr>
+            <p:ph idx="1"/>
+          </p:nvPr>
+        </p:nvSpPr>
+        <p:spPr>
+          <a:xfrm>
+            <a:off x="0" y="4095262"/>
+            <a:ext cx="10515600" cy="2003546"/>
+          </a:xfrm>
+        </p:spPr>
+        <p:txBody>
+          <a:bodyPr>
+            <a:normAutofit/>
+          </a:bodyPr>
+          <a:lstStyle/>
+          <a:p>
+            <a:r>
+              <a:rPr lang="ko-KR" altLang="en-US" sz="2000" dirty="0" smtClean="0"/>
+              <a:t>저장소 </a:t>
+            </a:r>
+            <a:r>
+              <a:rPr lang="en-US" altLang="ko-KR" sz="2000" dirty="0" smtClean="0"/>
+              <a:t>– </a:t>
+            </a:r>
+            <a:r>
+              <a:rPr lang="ko-KR" altLang="en-US" sz="2000" dirty="0" smtClean="0"/>
+              <a:t>저장소 설정</a:t>
+            </a:r>
+            <a:r>
+              <a:rPr lang="en-US" altLang="ko-KR" sz="2000" dirty="0" smtClean="0"/>
+              <a:t>… </a:t>
+            </a:r>
+            <a:r>
+              <a:rPr lang="ko-KR" altLang="en-US" sz="2000" dirty="0" smtClean="0"/>
+              <a:t>으로 들어간 이후</a:t>
+            </a:r>
+            <a:r>
+              <a:rPr lang="en-US" altLang="ko-KR" sz="2000" dirty="0" smtClean="0"/>
+              <a:t/>
+            </a:r>
+            <a:br>
+              <a:rPr lang="en-US" altLang="ko-KR" sz="2000" dirty="0" smtClean="0"/>
+            </a:br>
+            <a:r>
+              <a:rPr lang="ko-KR" altLang="en-US" sz="2000" dirty="0" smtClean="0"/>
+              <a:t>위와 같이 원격 저장소 경로에서 오류가 발생하는 원격 저장소 경로를 선택한 이후</a:t>
+            </a:r>
+            <a:r>
+              <a:rPr lang="en-US" altLang="ko-KR" sz="2000" dirty="0" smtClean="0"/>
+              <a:t/>
+            </a:r>
+            <a:br>
+              <a:rPr lang="en-US" altLang="ko-KR" sz="2000" dirty="0" smtClean="0"/>
+            </a:br>
+            <a:r>
+              <a:rPr lang="ko-KR" altLang="en-US" sz="2000" dirty="0" smtClean="0"/>
+              <a:t>편집 선택 </a:t>
+            </a:r>
+            <a:r>
+              <a:rPr lang="en-US" altLang="ko-KR" sz="2000" dirty="0" smtClean="0"/>
+              <a:t>– URL / </a:t>
+            </a:r>
+            <a:r>
+              <a:rPr lang="ko-KR" altLang="en-US" sz="2000" dirty="0" smtClean="0"/>
+              <a:t>경로를</a:t>
+            </a:r>
+            <a:r>
+              <a:rPr lang="en-US" altLang="ko-KR" sz="2000" dirty="0"/>
+              <a:t> </a:t>
+            </a:r>
+            <a:r>
+              <a:rPr lang="ko-KR" altLang="en-US" sz="2000" dirty="0" smtClean="0"/>
+              <a:t>다음과 같은 형태로 수정</a:t>
+            </a:r>
+            <a:r>
+              <a:rPr lang="en-US" altLang="ko-KR" sz="2000" dirty="0" smtClean="0"/>
+              <a:t/>
+            </a:r>
+            <a:br>
+              <a:rPr lang="en-US" altLang="ko-KR" sz="2000" dirty="0" smtClean="0"/>
+            </a:br>
+            <a:r>
+              <a:rPr lang="en-US" altLang="ko-KR" sz="2000" dirty="0" smtClean="0"/>
+              <a:t>https://</a:t>
+            </a:r>
+            <a:r>
+              <a:rPr lang="ko-KR" altLang="en-US" sz="2000" dirty="0" err="1" smtClean="0"/>
+              <a:t>유저네임</a:t>
+            </a:r>
+            <a:r>
+              <a:rPr lang="en-US" altLang="ko-KR" sz="2000" dirty="0" smtClean="0"/>
+              <a:t>:</a:t>
+            </a:r>
+            <a:r>
+              <a:rPr lang="ko-KR" altLang="en-US" sz="2000" dirty="0" smtClean="0"/>
+              <a:t>토큰</a:t>
+            </a:r>
+            <a:r>
+              <a:rPr lang="en-US" altLang="ko-KR" sz="2000" dirty="0" smtClean="0"/>
+              <a:t>@</a:t>
+            </a:r>
+            <a:r>
+              <a:rPr lang="en-US" altLang="ko-KR" sz="2000" dirty="0" err="1" smtClean="0"/>
+              <a:t>git_url</a:t>
+            </a:r>
+            <a:r>
+              <a:rPr lang="ko-KR" altLang="en-US" sz="2000" dirty="0" smtClean="0"/>
+              <a:t>주소</a:t>
+            </a:r>
+            <a:r>
+              <a:rPr lang="en-US" altLang="ko-KR" sz="2000" dirty="0" smtClean="0"/>
+              <a:t>.git</a:t>
+            </a:r>
+          </a:p>
+          <a:p>
+            <a:endParaRPr lang="en-US" altLang="ko-KR" sz="2000" dirty="0"/>
+          </a:p>
+          <a:p>
+            <a:r>
+              <a:rPr lang="en-US" altLang="ko-KR" sz="2000" dirty="0" smtClean="0"/>
+              <a:t>[</a:t>
+            </a:r>
+            <a:r>
+              <a:rPr lang="ko-KR" altLang="en-US" sz="2000" dirty="0" smtClean="0"/>
+              <a:t>참조</a:t>
+            </a:r>
+            <a:r>
+              <a:rPr lang="en-US" altLang="ko-KR" sz="2000" dirty="0"/>
+              <a:t>]: https://zindex.tistory.com/206</a:t>
+            </a:r>
+            <a:endParaRPr lang="en-US" altLang="ko-KR" sz="2000" dirty="0" smtClean="0"/>
+          </a:p>
+          <a:p>
+            <a:endParaRPr lang="en-US" altLang="ko-KR" sz="2000" dirty="0" smtClean="0"/>
+          </a:p>
+        </p:txBody>
+      </p:sp>
+      <p:pic>
+        <p:nvPicPr>
+          <p:cNvPr id="9" name="그림 8"/>
+          <p:cNvPicPr>
+            <a:picLocks noChangeAspect="1"/>
+          </p:cNvPicPr>
+          <p:nvPr/>
+        </p:nvPicPr>
+        <p:blipFill>
+          <a:blip r:embed="rId2"/>
+          <a:stretch>
+            <a:fillRect/>
+          </a:stretch>
+        </p:blipFill>
+        <p:spPr>
+          <a:xfrm>
+            <a:off x="0" y="1086400"/>
+            <a:ext cx="4876418" cy="2790031"/>
+          </a:xfrm>
+          <a:prstGeom prst="rect">
+            <a:avLst/>
+          </a:prstGeom>
+        </p:spPr>
+      </p:pic>
+      <p:pic>
+        <p:nvPicPr>
+          <p:cNvPr id="10" name="그림 9"/>
+          <p:cNvPicPr>
+            <a:picLocks noChangeAspect="1"/>
+          </p:cNvPicPr>
+          <p:nvPr/>
+        </p:nvPicPr>
+        <p:blipFill>
+          <a:blip r:embed="rId3"/>
+          <a:stretch>
+            <a:fillRect/>
+          </a:stretch>
+        </p:blipFill>
+        <p:spPr>
+          <a:xfrm>
+            <a:off x="6314831" y="1087538"/>
+            <a:ext cx="4309452" cy="2788893"/>
+          </a:xfrm>
+          <a:prstGeom prst="rect">
+            <a:avLst/>
+          </a:prstGeom>
+        </p:spPr>
+      </p:pic>
+      <p:cxnSp>
+        <p:nvCxnSpPr>
+          <p:cNvPr id="12" name="직선 화살표 연결선 11"/>
+          <p:cNvCxnSpPr/>
+          <p:nvPr/>
+        </p:nvCxnSpPr>
+        <p:spPr>
+          <a:xfrm>
+            <a:off x="5001846" y="2481415"/>
+            <a:ext cx="1164492" cy="0"/>
+          </a:xfrm>
+          <a:prstGeom prst="straightConnector1">
+            <a:avLst/>
+          </a:prstGeom>
+          <a:ln>
+            <a:solidFill>
+              <a:schemeClr val="tx1"/>
+            </a:solidFill>
+            <a:tailEnd type="triangle"/>
+          </a:ln>
+        </p:spPr>
+        <p:style>
+          <a:lnRef idx="1">
+            <a:schemeClr val="accent1"/>
+          </a:lnRef>
+          <a:fillRef idx="0">
+            <a:schemeClr val="accent1"/>
+          </a:fillRef>
+          <a:effectRef idx="0">
+            <a:schemeClr val="accent1"/>
+          </a:effectRef>
+          <a:fontRef idx="minor">
+            <a:schemeClr val="tx1"/>
+          </a:fontRef>
+        </p:style>
+      </p:cxnSp>
+    </p:spTree>
+    <p:extLst>
+      <p:ext uri="{BB962C8B-B14F-4D97-AF65-F5344CB8AC3E}">
+        <p14:creationId xmlns:p14="http://schemas.microsoft.com/office/powerpoint/2010/main" val="3697651162"/>
+      </p:ext>
+    </p:extLst>
+  </p:cSld>
+  <p:clrMapOvr>
+    <a:masterClrMapping/>
+  </p:clrMapOvr>
+  <p:timing>
+    <p:tnLst>
+      <p:par>
+        <p:cTn id="1" dur="indefinite" restart="never" nodeType="tmRoot"/>
+      </p:par>
+    </p:tnLst>
+  </p:timing>
 </p:sld>
 </file>
 

--- a/Git_문제점_정리.pptx
+++ b/Git_문제점_정리.pptx
@@ -8,6 +8,8 @@
     <p:sldId id="256" r:id="rId2"/>
     <p:sldId id="257" r:id="rId3"/>
     <p:sldId id="258" r:id="rId4"/>
+    <p:sldId id="259" r:id="rId5"/>
+    <p:sldId id="260" r:id="rId6"/>
   </p:sldIdLst>
   <p:sldSz cx="12192000" cy="6858000"/>
   <p:notesSz cx="6858000" cy="9144000"/>
@@ -3036,7 +3038,29 @@
             </a:r>
             <a:r>
               <a:rPr lang="ko-KR" altLang="en-US" dirty="0" smtClean="0"/>
-              <a:t> 토큰 인증 오류 발생하는 경우</a:t>
+              <a:t> 토큰 인증 오류 발생하는 </a:t>
+            </a:r>
+            <a:r>
+              <a:rPr lang="ko-KR" altLang="en-US" dirty="0" smtClean="0"/>
+              <a:t>경우</a:t>
+            </a:r>
+            <a:endParaRPr lang="en-US" altLang="ko-KR" dirty="0" smtClean="0"/>
+          </a:p>
+          <a:p>
+            <a:pPr marL="457200" indent="-457200" algn="l">
+              <a:buAutoNum type="arabicPeriod"/>
+            </a:pPr>
+            <a:r>
+              <a:rPr lang="ko-KR" altLang="en-US" dirty="0" smtClean="0"/>
+              <a:t>개인 레포지토리에 다른 사용자의 </a:t>
+            </a:r>
+            <a:r>
+              <a:rPr lang="en-US" altLang="ko-KR" dirty="0" smtClean="0"/>
+              <a:t>Push</a:t>
+            </a:r>
+            <a:r>
+              <a:rPr lang="ko-KR" altLang="en-US" dirty="0" smtClean="0"/>
+              <a:t>를 허가하는 방법</a:t>
             </a:r>
             <a:endParaRPr lang="ko-KR" altLang="en-US" dirty="0"/>
           </a:p>
@@ -3128,11 +3152,23 @@
             </a:br>
             <a:r>
               <a:rPr lang="en-US" altLang="ko-KR" sz="3600" dirty="0" smtClean="0"/>
-              <a:t>(GUI - </a:t>
+              <a:t>(GUI </a:t>
+            </a:r>
+            <a:r>
+              <a:rPr lang="en-US" altLang="ko-KR" sz="3600" dirty="0" smtClean="0"/>
+              <a:t>– </a:t>
             </a:r>
             <a:r>
               <a:rPr lang="en-US" altLang="ko-KR" sz="3600" dirty="0" err="1" smtClean="0"/>
               <a:t>Sourcetree</a:t>
+            </a:r>
+            <a:r>
+              <a:rPr lang="en-US" altLang="ko-KR" sz="3600" dirty="0" smtClean="0"/>
+              <a:t>, </a:t>
+            </a:r>
+            <a:r>
+              <a:rPr lang="ko-KR" altLang="en-US" sz="3600" dirty="0" smtClean="0"/>
+              <a:t>관리자</a:t>
             </a:r>
             <a:r>
               <a:rPr lang="en-US" altLang="ko-KR" sz="3600" dirty="0" smtClean="0"/>
@@ -3587,6 +3623,589 @@
       </p:par>
     </p:tnLst>
   </p:timing>
+</p:sld>
+</file>
+
+<file path=ppt/slides/slide4.xml><?xml version="1.0" encoding="utf-8"?>
+<p:sld xmlns:a="http://schemas.openxmlformats.org/drawingml/2006/main" xmlns:r="http://schemas.openxmlformats.org/officeDocument/2006/relationships" xmlns:p="http://schemas.openxmlformats.org/presentationml/2006/main">
+  <p:cSld>
+    <p:spTree>
+      <p:nvGrpSpPr>
+        <p:cNvPr id="1" name=""/>
+        <p:cNvGrpSpPr/>
+        <p:nvPr/>
+      </p:nvGrpSpPr>
+      <p:grpSpPr>
+        <a:xfrm>
+          <a:off x="0" y="0"/>
+          <a:ext cx="0" cy="0"/>
+          <a:chOff x="0" y="0"/>
+          <a:chExt cx="0" cy="0"/>
+        </a:xfrm>
+      </p:grpSpPr>
+      <p:sp>
+        <p:nvSpPr>
+          <p:cNvPr id="2" name="제목 1"/>
+          <p:cNvSpPr>
+            <a:spLocks noGrp="1"/>
+          </p:cNvSpPr>
+          <p:nvPr>
+            <p:ph type="title"/>
+          </p:nvPr>
+        </p:nvSpPr>
+        <p:spPr>
+          <a:xfrm>
+            <a:off x="0" y="0"/>
+            <a:ext cx="10515600" cy="1325563"/>
+          </a:xfrm>
+        </p:spPr>
+        <p:txBody>
+          <a:bodyPr>
+            <a:normAutofit/>
+          </a:bodyPr>
+          <a:lstStyle/>
+          <a:p>
+            <a:pPr marL="457200" indent="-457200"/>
+            <a:r>
+              <a:rPr lang="en-US" altLang="ko-KR" sz="3600" dirty="0"/>
+              <a:t>2</a:t>
+            </a:r>
+            <a:r>
+              <a:rPr lang="en-US" altLang="ko-KR" sz="3600" dirty="0" smtClean="0"/>
+              <a:t>.</a:t>
+            </a:r>
+            <a:r>
+              <a:rPr lang="en-US" altLang="ko-KR" sz="4000" dirty="0" smtClean="0"/>
+              <a:t> </a:t>
+            </a:r>
+            <a:r>
+              <a:rPr lang="ko-KR" altLang="en-US" sz="3600" dirty="0" smtClean="0"/>
+              <a:t>개인 레포지토리에 다른 사용자의 </a:t>
+            </a:r>
+            <a:r>
+              <a:rPr lang="en-US" altLang="ko-KR" sz="3600" dirty="0" smtClean="0"/>
+              <a:t>Push</a:t>
+            </a:r>
+            <a:r>
+              <a:rPr lang="ko-KR" altLang="en-US" sz="3600" dirty="0" smtClean="0"/>
+              <a:t>를</a:t>
+            </a:r>
+            <a:r>
+              <a:rPr lang="en-US" altLang="ko-KR" sz="3600" dirty="0" smtClean="0"/>
+              <a:t/>
+            </a:r>
+            <a:br>
+              <a:rPr lang="en-US" altLang="ko-KR" sz="3600" dirty="0" smtClean="0"/>
+            </a:br>
+            <a:r>
+              <a:rPr lang="ko-KR" altLang="en-US" sz="3600" dirty="0" smtClean="0"/>
+              <a:t>허가하는 방법 </a:t>
+            </a:r>
+            <a:endParaRPr lang="ko-KR" altLang="en-US" sz="3600" dirty="0"/>
+          </a:p>
+        </p:txBody>
+      </p:sp>
+      <p:sp>
+        <p:nvSpPr>
+          <p:cNvPr id="3" name="내용 개체 틀 2"/>
+          <p:cNvSpPr>
+            <a:spLocks noGrp="1"/>
+          </p:cNvSpPr>
+          <p:nvPr>
+            <p:ph idx="1"/>
+          </p:nvPr>
+        </p:nvSpPr>
+        <p:spPr>
+          <a:xfrm>
+            <a:off x="0" y="4345354"/>
+            <a:ext cx="10515600" cy="1753454"/>
+          </a:xfrm>
+        </p:spPr>
+        <p:txBody>
+          <a:bodyPr>
+            <a:normAutofit/>
+          </a:bodyPr>
+          <a:lstStyle/>
+          <a:p>
+            <a:r>
+              <a:rPr lang="en-US" altLang="ko-KR" sz="2000" dirty="0" smtClean="0"/>
+              <a:t>Git Bash</a:t>
+            </a:r>
+            <a:r>
+              <a:rPr lang="ko-KR" altLang="en-US" sz="2000" dirty="0" smtClean="0"/>
+              <a:t>에서 </a:t>
+            </a:r>
+            <a:r>
+              <a:rPr lang="en-US" altLang="ko-KR" sz="2000" dirty="0" smtClean="0"/>
+              <a:t>git clone </a:t>
+            </a:r>
+            <a:r>
+              <a:rPr lang="en-US" altLang="ko-KR" sz="2000" dirty="0" smtClean="0">
+                <a:hlinkClick r:id="rId2"/>
+              </a:rPr>
+              <a:t>https://~</a:t>
+            </a:r>
+            <a:r>
+              <a:rPr lang="en-US" altLang="ko-KR" sz="2000" dirty="0" smtClean="0"/>
+              <a:t> </a:t>
+            </a:r>
+            <a:r>
+              <a:rPr lang="ko-KR" altLang="en-US" sz="2000" dirty="0" smtClean="0"/>
+              <a:t>명령어를 입력하는 것으로 </a:t>
+            </a:r>
+            <a:r>
+              <a:rPr lang="en-US" altLang="ko-KR" sz="2000" dirty="0"/>
+              <a:t/>
+            </a:r>
+            <a:br>
+              <a:rPr lang="en-US" altLang="ko-KR" sz="2000" dirty="0"/>
+            </a:br>
+            <a:r>
+              <a:rPr lang="ko-KR" altLang="en-US" sz="2000" dirty="0" smtClean="0"/>
+              <a:t>다른 사람의 프로젝트를 다운받을 수 있지만 프로젝트의 내용을 수정한 이후</a:t>
+            </a:r>
+            <a:r>
+              <a:rPr lang="en-US" altLang="ko-KR" sz="2000" dirty="0" smtClean="0"/>
+              <a:t>,</a:t>
+            </a:r>
+            <a:r>
+              <a:rPr lang="en-US" altLang="ko-KR" sz="2000" dirty="0"/>
+              <a:t/>
+            </a:r>
+            <a:br>
+              <a:rPr lang="en-US" altLang="ko-KR" sz="2000" dirty="0"/>
+            </a:br>
+            <a:r>
+              <a:rPr lang="ko-KR" altLang="en-US" sz="2000" dirty="0" smtClean="0"/>
+              <a:t>이를 </a:t>
+            </a:r>
+            <a:r>
+              <a:rPr lang="en-US" altLang="ko-KR" sz="2000" dirty="0" smtClean="0"/>
+              <a:t>Push</a:t>
+            </a:r>
+            <a:r>
+              <a:rPr lang="ko-KR" altLang="en-US" sz="2000" dirty="0" smtClean="0"/>
+              <a:t>하기 위해서는 해당 프로젝트의 관리자가 수행하여야 하는 동작이 있다</a:t>
+            </a:r>
+            <a:r>
+              <a:rPr lang="en-US" altLang="ko-KR" sz="2000" dirty="0" smtClean="0"/>
+              <a:t>.</a:t>
+            </a:r>
+          </a:p>
+          <a:p>
+            <a:endParaRPr lang="en-US" altLang="ko-KR" sz="2000" dirty="0"/>
+          </a:p>
+          <a:p>
+            <a:r>
+              <a:rPr lang="ko-KR" altLang="en-US" sz="2000" dirty="0" smtClean="0"/>
+              <a:t>방법</a:t>
+            </a:r>
+            <a:r>
+              <a:rPr lang="en-US" altLang="ko-KR" sz="2000" dirty="0" smtClean="0"/>
+              <a:t>: GitHub </a:t>
+            </a:r>
+            <a:r>
+              <a:rPr lang="en-US" altLang="ko-KR" sz="2000" dirty="0" smtClean="0">
+                <a:sym typeface="Wingdings" panose="05000000000000000000" pitchFamily="2" charset="2"/>
+              </a:rPr>
+              <a:t> </a:t>
+            </a:r>
+            <a:r>
+              <a:rPr lang="ko-KR" altLang="en-US" sz="2000" dirty="0" smtClean="0">
+                <a:sym typeface="Wingdings" panose="05000000000000000000" pitchFamily="2" charset="2"/>
+              </a:rPr>
+              <a:t>프로젝트 </a:t>
+            </a:r>
+            <a:r>
+              <a:rPr lang="en-US" altLang="ko-KR" sz="2000" dirty="0" smtClean="0">
+                <a:sym typeface="Wingdings" panose="05000000000000000000" pitchFamily="2" charset="2"/>
+              </a:rPr>
+              <a:t> Settings  Collaborators</a:t>
+            </a:r>
+            <a:endParaRPr lang="en-US" altLang="ko-KR" sz="2000" dirty="0" smtClean="0"/>
+          </a:p>
+        </p:txBody>
+      </p:sp>
+      <p:pic>
+        <p:nvPicPr>
+          <p:cNvPr id="4" name="그림 3"/>
+          <p:cNvPicPr>
+            <a:picLocks noChangeAspect="1"/>
+          </p:cNvPicPr>
+          <p:nvPr/>
+        </p:nvPicPr>
+        <p:blipFill>
+          <a:blip r:embed="rId3"/>
+          <a:stretch>
+            <a:fillRect/>
+          </a:stretch>
+        </p:blipFill>
+        <p:spPr>
+          <a:xfrm>
+            <a:off x="0" y="1211995"/>
+            <a:ext cx="5730332" cy="2820871"/>
+          </a:xfrm>
+          <a:prstGeom prst="rect">
+            <a:avLst/>
+          </a:prstGeom>
+        </p:spPr>
+      </p:pic>
+      <p:pic>
+        <p:nvPicPr>
+          <p:cNvPr id="6" name="그림 5"/>
+          <p:cNvPicPr>
+            <a:picLocks noChangeAspect="1"/>
+          </p:cNvPicPr>
+          <p:nvPr/>
+        </p:nvPicPr>
+        <p:blipFill>
+          <a:blip r:embed="rId4"/>
+          <a:stretch>
+            <a:fillRect/>
+          </a:stretch>
+        </p:blipFill>
+        <p:spPr>
+          <a:xfrm>
+            <a:off x="5806831" y="1211995"/>
+            <a:ext cx="4708769" cy="2820871"/>
+          </a:xfrm>
+          <a:prstGeom prst="rect">
+            <a:avLst/>
+          </a:prstGeom>
+        </p:spPr>
+      </p:pic>
+      <p:cxnSp>
+        <p:nvCxnSpPr>
+          <p:cNvPr id="11" name="직선 화살표 연결선 10"/>
+          <p:cNvCxnSpPr/>
+          <p:nvPr/>
+        </p:nvCxnSpPr>
+        <p:spPr>
+          <a:xfrm>
+            <a:off x="4071815" y="1325563"/>
+            <a:ext cx="3423139" cy="761145"/>
+          </a:xfrm>
+          <a:prstGeom prst="straightConnector1">
+            <a:avLst/>
+          </a:prstGeom>
+          <a:ln w="12700">
+            <a:solidFill>
+              <a:schemeClr val="tx1"/>
+            </a:solidFill>
+            <a:tailEnd type="triangle"/>
+          </a:ln>
+        </p:spPr>
+        <p:style>
+          <a:lnRef idx="1">
+            <a:schemeClr val="accent1"/>
+          </a:lnRef>
+          <a:fillRef idx="0">
+            <a:schemeClr val="accent1"/>
+          </a:fillRef>
+          <a:effectRef idx="0">
+            <a:schemeClr val="accent1"/>
+          </a:effectRef>
+          <a:fontRef idx="minor">
+            <a:schemeClr val="tx1"/>
+          </a:fontRef>
+        </p:style>
+      </p:cxnSp>
+    </p:spTree>
+    <p:extLst>
+      <p:ext uri="{BB962C8B-B14F-4D97-AF65-F5344CB8AC3E}">
+        <p14:creationId xmlns:p14="http://schemas.microsoft.com/office/powerpoint/2010/main" val="2591121015"/>
+      </p:ext>
+    </p:extLst>
+  </p:cSld>
+  <p:clrMapOvr>
+    <a:masterClrMapping/>
+  </p:clrMapOvr>
+</p:sld>
+</file>
+
+<file path=ppt/slides/slide5.xml><?xml version="1.0" encoding="utf-8"?>
+<p:sld xmlns:a="http://schemas.openxmlformats.org/drawingml/2006/main" xmlns:r="http://schemas.openxmlformats.org/officeDocument/2006/relationships" xmlns:p="http://schemas.openxmlformats.org/presentationml/2006/main">
+  <p:cSld>
+    <p:spTree>
+      <p:nvGrpSpPr>
+        <p:cNvPr id="1" name=""/>
+        <p:cNvGrpSpPr/>
+        <p:nvPr/>
+      </p:nvGrpSpPr>
+      <p:grpSpPr>
+        <a:xfrm>
+          <a:off x="0" y="0"/>
+          <a:ext cx="0" cy="0"/>
+          <a:chOff x="0" y="0"/>
+          <a:chExt cx="0" cy="0"/>
+        </a:xfrm>
+      </p:grpSpPr>
+      <p:sp>
+        <p:nvSpPr>
+          <p:cNvPr id="2" name="제목 1"/>
+          <p:cNvSpPr>
+            <a:spLocks noGrp="1"/>
+          </p:cNvSpPr>
+          <p:nvPr>
+            <p:ph type="title"/>
+          </p:nvPr>
+        </p:nvSpPr>
+        <p:spPr>
+          <a:xfrm>
+            <a:off x="0" y="0"/>
+            <a:ext cx="10515600" cy="1325563"/>
+          </a:xfrm>
+        </p:spPr>
+        <p:txBody>
+          <a:bodyPr>
+            <a:normAutofit/>
+          </a:bodyPr>
+          <a:lstStyle/>
+          <a:p>
+            <a:pPr marL="457200" indent="-457200"/>
+            <a:r>
+              <a:rPr lang="en-US" altLang="ko-KR" sz="3600" dirty="0"/>
+              <a:t>2</a:t>
+            </a:r>
+            <a:r>
+              <a:rPr lang="en-US" altLang="ko-KR" sz="3600" dirty="0" smtClean="0"/>
+              <a:t>.</a:t>
+            </a:r>
+            <a:r>
+              <a:rPr lang="en-US" altLang="ko-KR" sz="4000" dirty="0" smtClean="0"/>
+              <a:t> </a:t>
+            </a:r>
+            <a:r>
+              <a:rPr lang="ko-KR" altLang="en-US" sz="3600" dirty="0" smtClean="0"/>
+              <a:t>개인 레포지토리에 다른 사용자의 </a:t>
+            </a:r>
+            <a:r>
+              <a:rPr lang="en-US" altLang="ko-KR" sz="3600" dirty="0" smtClean="0"/>
+              <a:t>Push</a:t>
+            </a:r>
+            <a:r>
+              <a:rPr lang="ko-KR" altLang="en-US" sz="3600" dirty="0" smtClean="0"/>
+              <a:t>를</a:t>
+            </a:r>
+            <a:r>
+              <a:rPr lang="en-US" altLang="ko-KR" sz="3600" dirty="0" smtClean="0"/>
+              <a:t/>
+            </a:r>
+            <a:br>
+              <a:rPr lang="en-US" altLang="ko-KR" sz="3600" dirty="0" smtClean="0"/>
+            </a:br>
+            <a:r>
+              <a:rPr lang="ko-KR" altLang="en-US" sz="3600" dirty="0" smtClean="0"/>
+              <a:t>허가하는 방법 </a:t>
+            </a:r>
+            <a:endParaRPr lang="ko-KR" altLang="en-US" sz="3600" dirty="0"/>
+          </a:p>
+        </p:txBody>
+      </p:sp>
+      <p:sp>
+        <p:nvSpPr>
+          <p:cNvPr id="3" name="내용 개체 틀 2"/>
+          <p:cNvSpPr>
+            <a:spLocks noGrp="1"/>
+          </p:cNvSpPr>
+          <p:nvPr>
+            <p:ph idx="1"/>
+          </p:nvPr>
+        </p:nvSpPr>
+        <p:spPr>
+          <a:xfrm>
+            <a:off x="0" y="4032738"/>
+            <a:ext cx="10515600" cy="2066070"/>
+          </a:xfrm>
+        </p:spPr>
+        <p:txBody>
+          <a:bodyPr>
+            <a:normAutofit/>
+          </a:bodyPr>
+          <a:lstStyle/>
+          <a:p>
+            <a:endParaRPr lang="en-US" altLang="ko-KR" sz="2000" dirty="0"/>
+          </a:p>
+          <a:p>
+            <a:r>
+              <a:rPr lang="en-US" altLang="ko-KR" sz="2000" dirty="0" smtClean="0"/>
+              <a:t>Who has access </a:t>
+            </a:r>
+            <a:r>
+              <a:rPr lang="en-US" altLang="ko-KR" sz="2000" dirty="0" smtClean="0">
+                <a:sym typeface="Wingdings" panose="05000000000000000000" pitchFamily="2" charset="2"/>
+              </a:rPr>
+              <a:t> Add people </a:t>
+            </a:r>
+            <a:r>
+              <a:rPr lang="ko-KR" altLang="en-US" sz="2000" dirty="0" err="1" smtClean="0">
+                <a:sym typeface="Wingdings" panose="05000000000000000000" pitchFamily="2" charset="2"/>
+              </a:rPr>
+              <a:t>선택시</a:t>
+            </a:r>
+            <a:r>
+              <a:rPr lang="ko-KR" altLang="en-US" sz="2000" dirty="0" smtClean="0">
+                <a:sym typeface="Wingdings" panose="05000000000000000000" pitchFamily="2" charset="2"/>
+              </a:rPr>
+              <a:t> 등장하는 팝업 창을 통해</a:t>
+            </a:r>
+            <a:r>
+              <a:rPr lang="en-US" altLang="ko-KR" sz="2000" dirty="0" smtClean="0">
+                <a:sym typeface="Wingdings" panose="05000000000000000000" pitchFamily="2" charset="2"/>
+              </a:rPr>
+              <a:t/>
+            </a:r>
+            <a:br>
+              <a:rPr lang="en-US" altLang="ko-KR" sz="2000" dirty="0" smtClean="0">
+                <a:sym typeface="Wingdings" panose="05000000000000000000" pitchFamily="2" charset="2"/>
+              </a:rPr>
+            </a:br>
+            <a:r>
+              <a:rPr lang="ko-KR" altLang="en-US" sz="2000" dirty="0" smtClean="0">
+                <a:sym typeface="Wingdings" panose="05000000000000000000" pitchFamily="2" charset="2"/>
+              </a:rPr>
+              <a:t>참여시키고자 하는 사용자의 이메일을 작성 후 </a:t>
+            </a:r>
+            <a:r>
+              <a:rPr lang="en-US" altLang="ko-KR" sz="2000" dirty="0" smtClean="0">
+                <a:sym typeface="Wingdings" panose="05000000000000000000" pitchFamily="2" charset="2"/>
+              </a:rPr>
+              <a:t>Select a collaborator above </a:t>
+            </a:r>
+            <a:r>
+              <a:rPr lang="ko-KR" altLang="en-US" sz="2000" dirty="0" smtClean="0">
+                <a:sym typeface="Wingdings" panose="05000000000000000000" pitchFamily="2" charset="2"/>
+              </a:rPr>
+              <a:t>클릭 시 </a:t>
+            </a:r>
+            <a:r>
+              <a:rPr lang="en-US" altLang="ko-KR" sz="2000" dirty="0" smtClean="0">
+                <a:sym typeface="Wingdings" panose="05000000000000000000" pitchFamily="2" charset="2"/>
+              </a:rPr>
+              <a:t/>
+            </a:r>
+            <a:br>
+              <a:rPr lang="en-US" altLang="ko-KR" sz="2000" dirty="0" smtClean="0">
+                <a:sym typeface="Wingdings" panose="05000000000000000000" pitchFamily="2" charset="2"/>
+              </a:rPr>
+            </a:br>
+            <a:r>
+              <a:rPr lang="ko-KR" altLang="en-US" sz="2000" dirty="0" smtClean="0">
+                <a:sym typeface="Wingdings" panose="05000000000000000000" pitchFamily="2" charset="2"/>
+              </a:rPr>
+              <a:t>해당 이메일로 초대장을 발송하게 된다</a:t>
+            </a:r>
+            <a:r>
+              <a:rPr lang="en-US" altLang="ko-KR" sz="2000" dirty="0" smtClean="0">
+                <a:sym typeface="Wingdings" panose="05000000000000000000" pitchFamily="2" charset="2"/>
+              </a:rPr>
+              <a:t>.</a:t>
+            </a:r>
+          </a:p>
+          <a:p>
+            <a:r>
+              <a:rPr lang="ko-KR" altLang="en-US" sz="2000" dirty="0" smtClean="0">
+                <a:sym typeface="Wingdings" panose="05000000000000000000" pitchFamily="2" charset="2"/>
+              </a:rPr>
+              <a:t>해당 이메일을 받은 다른 사용자가 첨부된 링크를 통해 프로젝트에 참여하게 되면</a:t>
+            </a:r>
+            <a:r>
+              <a:rPr lang="en-US" altLang="ko-KR" sz="2000" dirty="0" smtClean="0">
+                <a:sym typeface="Wingdings" panose="05000000000000000000" pitchFamily="2" charset="2"/>
+              </a:rPr>
+              <a:t/>
+            </a:r>
+            <a:br>
+              <a:rPr lang="en-US" altLang="ko-KR" sz="2000" dirty="0" smtClean="0">
+                <a:sym typeface="Wingdings" panose="05000000000000000000" pitchFamily="2" charset="2"/>
+              </a:rPr>
+            </a:br>
+            <a:r>
+              <a:rPr lang="en-US" altLang="ko-KR" sz="2000" dirty="0" smtClean="0">
+                <a:sym typeface="Wingdings" panose="05000000000000000000" pitchFamily="2" charset="2"/>
+              </a:rPr>
+              <a:t>Push</a:t>
+            </a:r>
+            <a:r>
+              <a:rPr lang="ko-KR" altLang="en-US" sz="2000" dirty="0" smtClean="0">
+                <a:sym typeface="Wingdings" panose="05000000000000000000" pitchFamily="2" charset="2"/>
+              </a:rPr>
+              <a:t>가 가능해진다</a:t>
+            </a:r>
+            <a:r>
+              <a:rPr lang="en-US" altLang="ko-KR" sz="2000" smtClean="0">
+                <a:sym typeface="Wingdings" panose="05000000000000000000" pitchFamily="2" charset="2"/>
+              </a:rPr>
+              <a:t>.</a:t>
+            </a:r>
+            <a:endParaRPr lang="en-US" altLang="ko-KR" sz="2000" dirty="0">
+              <a:sym typeface="Wingdings" panose="05000000000000000000" pitchFamily="2" charset="2"/>
+            </a:endParaRPr>
+          </a:p>
+          <a:p>
+            <a:endParaRPr lang="en-US" altLang="ko-KR" sz="2000" dirty="0" smtClean="0">
+              <a:sym typeface="Wingdings" panose="05000000000000000000" pitchFamily="2" charset="2"/>
+            </a:endParaRPr>
+          </a:p>
+        </p:txBody>
+      </p:sp>
+      <p:pic>
+        <p:nvPicPr>
+          <p:cNvPr id="4" name="그림 3"/>
+          <p:cNvPicPr>
+            <a:picLocks noChangeAspect="1"/>
+          </p:cNvPicPr>
+          <p:nvPr/>
+        </p:nvPicPr>
+        <p:blipFill>
+          <a:blip r:embed="rId2"/>
+          <a:stretch>
+            <a:fillRect/>
+          </a:stretch>
+        </p:blipFill>
+        <p:spPr>
+          <a:xfrm>
+            <a:off x="1" y="1325563"/>
+            <a:ext cx="5776496" cy="2003791"/>
+          </a:xfrm>
+          <a:prstGeom prst="rect">
+            <a:avLst/>
+          </a:prstGeom>
+        </p:spPr>
+      </p:pic>
+      <p:pic>
+        <p:nvPicPr>
+          <p:cNvPr id="5" name="그림 4"/>
+          <p:cNvPicPr>
+            <a:picLocks noChangeAspect="1"/>
+          </p:cNvPicPr>
+          <p:nvPr/>
+        </p:nvPicPr>
+        <p:blipFill rotWithShape="1">
+          <a:blip r:embed="rId3"/>
+          <a:srcRect l="931"/>
+          <a:stretch/>
+        </p:blipFill>
+        <p:spPr>
+          <a:xfrm>
+            <a:off x="6760308" y="1751762"/>
+            <a:ext cx="4161262" cy="1577592"/>
+          </a:xfrm>
+          <a:prstGeom prst="rect">
+            <a:avLst/>
+          </a:prstGeom>
+        </p:spPr>
+      </p:pic>
+    </p:spTree>
+    <p:extLst>
+      <p:ext uri="{BB962C8B-B14F-4D97-AF65-F5344CB8AC3E}">
+        <p14:creationId xmlns:p14="http://schemas.microsoft.com/office/powerpoint/2010/main" val="3731235236"/>
+      </p:ext>
+    </p:extLst>
+  </p:cSld>
+  <p:clrMapOvr>
+    <a:masterClrMapping/>
+  </p:clrMapOvr>
 </p:sld>
 </file>
 
